--- a/files/mostra_trabalhos/slide_apresentacao.pptx
+++ b/files/mostra_trabalhos/slide_apresentacao.pptx
@@ -253,7 +253,7 @@
           <a:p>
             <a:fld id="{11E24DFE-8E8A-4EE1-B2F3-ECC3DD89F30E}" type="datetimeFigureOut">
               <a:rPr lang="pt-BR" smtClean="0"/>
-              <a:t>20/05/2019</a:t>
+              <a:t>04/10/2019</a:t>
             </a:fld>
             <a:endParaRPr lang="pt-BR"/>
           </a:p>
@@ -421,7 +421,7 @@
           <a:p>
             <a:fld id="{11E24DFE-8E8A-4EE1-B2F3-ECC3DD89F30E}" type="datetimeFigureOut">
               <a:rPr lang="pt-BR" smtClean="0"/>
-              <a:t>20/05/2019</a:t>
+              <a:t>04/10/2019</a:t>
             </a:fld>
             <a:endParaRPr lang="pt-BR"/>
           </a:p>
@@ -599,7 +599,7 @@
           <a:p>
             <a:fld id="{11E24DFE-8E8A-4EE1-B2F3-ECC3DD89F30E}" type="datetimeFigureOut">
               <a:rPr lang="pt-BR" smtClean="0"/>
-              <a:t>20/05/2019</a:t>
+              <a:t>04/10/2019</a:t>
             </a:fld>
             <a:endParaRPr lang="pt-BR"/>
           </a:p>
@@ -767,7 +767,7 @@
           <a:p>
             <a:fld id="{11E24DFE-8E8A-4EE1-B2F3-ECC3DD89F30E}" type="datetimeFigureOut">
               <a:rPr lang="pt-BR" smtClean="0"/>
-              <a:t>20/05/2019</a:t>
+              <a:t>04/10/2019</a:t>
             </a:fld>
             <a:endParaRPr lang="pt-BR"/>
           </a:p>
@@ -1012,7 +1012,7 @@
           <a:p>
             <a:fld id="{11E24DFE-8E8A-4EE1-B2F3-ECC3DD89F30E}" type="datetimeFigureOut">
               <a:rPr lang="pt-BR" smtClean="0"/>
-              <a:t>20/05/2019</a:t>
+              <a:t>04/10/2019</a:t>
             </a:fld>
             <a:endParaRPr lang="pt-BR"/>
           </a:p>
@@ -1241,7 +1241,7 @@
           <a:p>
             <a:fld id="{11E24DFE-8E8A-4EE1-B2F3-ECC3DD89F30E}" type="datetimeFigureOut">
               <a:rPr lang="pt-BR" smtClean="0"/>
-              <a:t>20/05/2019</a:t>
+              <a:t>04/10/2019</a:t>
             </a:fld>
             <a:endParaRPr lang="pt-BR"/>
           </a:p>
@@ -1605,7 +1605,7 @@
           <a:p>
             <a:fld id="{11E24DFE-8E8A-4EE1-B2F3-ECC3DD89F30E}" type="datetimeFigureOut">
               <a:rPr lang="pt-BR" smtClean="0"/>
-              <a:t>20/05/2019</a:t>
+              <a:t>04/10/2019</a:t>
             </a:fld>
             <a:endParaRPr lang="pt-BR"/>
           </a:p>
@@ -1722,7 +1722,7 @@
           <a:p>
             <a:fld id="{11E24DFE-8E8A-4EE1-B2F3-ECC3DD89F30E}" type="datetimeFigureOut">
               <a:rPr lang="pt-BR" smtClean="0"/>
-              <a:t>20/05/2019</a:t>
+              <a:t>04/10/2019</a:t>
             </a:fld>
             <a:endParaRPr lang="pt-BR"/>
           </a:p>
@@ -1817,7 +1817,7 @@
           <a:p>
             <a:fld id="{11E24DFE-8E8A-4EE1-B2F3-ECC3DD89F30E}" type="datetimeFigureOut">
               <a:rPr lang="pt-BR" smtClean="0"/>
-              <a:t>20/05/2019</a:t>
+              <a:t>04/10/2019</a:t>
             </a:fld>
             <a:endParaRPr lang="pt-BR"/>
           </a:p>
@@ -2092,7 +2092,7 @@
           <a:p>
             <a:fld id="{11E24DFE-8E8A-4EE1-B2F3-ECC3DD89F30E}" type="datetimeFigureOut">
               <a:rPr lang="pt-BR" smtClean="0"/>
-              <a:t>20/05/2019</a:t>
+              <a:t>04/10/2019</a:t>
             </a:fld>
             <a:endParaRPr lang="pt-BR"/>
           </a:p>
@@ -2344,7 +2344,7 @@
           <a:p>
             <a:fld id="{11E24DFE-8E8A-4EE1-B2F3-ECC3DD89F30E}" type="datetimeFigureOut">
               <a:rPr lang="pt-BR" smtClean="0"/>
-              <a:t>20/05/2019</a:t>
+              <a:t>04/10/2019</a:t>
             </a:fld>
             <a:endParaRPr lang="pt-BR"/>
           </a:p>
@@ -2555,7 +2555,7 @@
           <a:p>
             <a:fld id="{11E24DFE-8E8A-4EE1-B2F3-ECC3DD89F30E}" type="datetimeFigureOut">
               <a:rPr lang="pt-BR" smtClean="0"/>
-              <a:t>20/05/2019</a:t>
+              <a:t>04/10/2019</a:t>
             </a:fld>
             <a:endParaRPr lang="pt-BR"/>
           </a:p>
@@ -3366,60 +3366,6 @@
           </a:p>
         </p:txBody>
       </p:sp>
-      <p:pic>
-        <p:nvPicPr>
-          <p:cNvPr id="6" name="Imagem 1"/>
-          <p:cNvPicPr>
-            <a:picLocks noChangeAspect="1"/>
-          </p:cNvPicPr>
-          <p:nvPr/>
-        </p:nvPicPr>
-        <p:blipFill>
-          <a:blip r:embed="rId2" cstate="print">
-            <a:extLst>
-              <a:ext uri="{28A0092B-C50C-407E-A947-70E740481C1C}">
-                <a14:useLocalDpi xmlns:a14="http://schemas.microsoft.com/office/drawing/2010/main" val="0"/>
-              </a:ext>
-            </a:extLst>
-          </a:blip>
-          <a:srcRect r="6340" b="-3796"/>
-          <a:stretch>
-            <a:fillRect/>
-          </a:stretch>
-        </p:blipFill>
-        <p:spPr bwMode="auto">
-          <a:xfrm>
-            <a:off x="0" y="-27384"/>
-            <a:ext cx="9144000" cy="1785107"/>
-          </a:xfrm>
-          <a:prstGeom prst="rect">
-            <a:avLst/>
-          </a:prstGeom>
-          <a:noFill/>
-          <a:ln>
-            <a:noFill/>
-          </a:ln>
-          <a:extLst>
-            <a:ext uri="{909E8E84-426E-40DD-AFC4-6F175D3DCCD1}">
-              <a14:hiddenFill xmlns:a14="http://schemas.microsoft.com/office/drawing/2010/main">
-                <a:solidFill>
-                  <a:srgbClr val="FFFFFF"/>
-                </a:solidFill>
-              </a14:hiddenFill>
-            </a:ext>
-            <a:ext uri="{91240B29-F687-4F45-9708-019B960494DF}">
-              <a14:hiddenLine xmlns:a14="http://schemas.microsoft.com/office/drawing/2010/main" w="9525">
-                <a:solidFill>
-                  <a:srgbClr val="000000"/>
-                </a:solidFill>
-                <a:miter lim="800000"/>
-                <a:headEnd/>
-                <a:tailEnd/>
-              </a14:hiddenLine>
-            </a:ext>
-          </a:extLst>
-        </p:spPr>
-      </p:pic>
       <p:sp>
         <p:nvSpPr>
           <p:cNvPr id="8" name="CaixaDeTexto 4"/>
@@ -3492,7 +3438,7 @@
           <p:nvPr/>
         </p:nvPicPr>
         <p:blipFill>
-          <a:blip r:embed="rId3"/>
+          <a:blip r:embed="rId2"/>
           <a:stretch>
             <a:fillRect/>
           </a:stretch>
@@ -3521,8 +3467,8 @@
         </p:nvSpPr>
         <p:spPr>
           <a:xfrm>
-            <a:off x="2843808" y="6469305"/>
-            <a:ext cx="4536504" cy="369332"/>
+            <a:off x="3038881" y="6439336"/>
+            <a:ext cx="3096344" cy="369332"/>
           </a:xfrm>
           <a:prstGeom prst="rect">
             <a:avLst/>
@@ -3546,6 +3492,42 @@
           </a:p>
         </p:txBody>
       </p:sp>
+      <p:pic>
+        <p:nvPicPr>
+          <p:cNvPr id="7" name="Imagem 6">
+            <a:extLst>
+              <a:ext uri="{FF2B5EF4-FFF2-40B4-BE49-F238E27FC236}">
+                <a16:creationId xmlns:a16="http://schemas.microsoft.com/office/drawing/2014/main" id="{EF321589-5E35-4868-B706-3FF1243FBFE9}"/>
+              </a:ext>
+            </a:extLst>
+          </p:cNvPr>
+          <p:cNvPicPr>
+            <a:picLocks noChangeAspect="1"/>
+          </p:cNvPicPr>
+          <p:nvPr/>
+        </p:nvPicPr>
+        <p:blipFill>
+          <a:blip r:embed="rId3" cstate="print">
+            <a:extLst>
+              <a:ext uri="{28A0092B-C50C-407E-A947-70E740481C1C}">
+                <a14:useLocalDpi xmlns:a14="http://schemas.microsoft.com/office/drawing/2010/main" val="0"/>
+              </a:ext>
+            </a:extLst>
+          </a:blip>
+          <a:stretch>
+            <a:fillRect/>
+          </a:stretch>
+        </p:blipFill>
+        <p:spPr>
+          <a:xfrm>
+            <a:off x="0" y="19363"/>
+            <a:ext cx="9144000" cy="1063298"/>
+          </a:xfrm>
+          <a:prstGeom prst="rect">
+            <a:avLst/>
+          </a:prstGeom>
+        </p:spPr>
+      </p:pic>
     </p:spTree>
     <p:extLst>
       <p:ext uri="{BB962C8B-B14F-4D97-AF65-F5344CB8AC3E}">
